--- a/document/报告/intent.pptx
+++ b/document/报告/intent.pptx
@@ -12,6 +12,7 @@
     <p:sldId id="260" r:id="rId6"/>
     <p:sldId id="261" r:id="rId7"/>
     <p:sldId id="262" r:id="rId8"/>
+    <p:sldId id="263" r:id="rId9"/>
   </p:sldIdLst>
   <p:sldSz cx="9144000" cy="6858000" type="screen4x3"/>
   <p:notesSz cx="6858000" cy="9144000"/>
@@ -295,7 +296,7 @@
             <a:fld id="{530820CF-B880-4189-942D-D702A7CBA730}" type="datetimeFigureOut">
               <a:rPr lang="zh-CN" altLang="en-US" smtClean="0"/>
               <a:pPr/>
-              <a:t>2018/1/5</a:t>
+              <a:t>2018/1/28</a:t>
             </a:fld>
             <a:endParaRPr lang="zh-CN" altLang="en-US"/>
           </a:p>
@@ -462,7 +463,7 @@
             <a:fld id="{530820CF-B880-4189-942D-D702A7CBA730}" type="datetimeFigureOut">
               <a:rPr lang="zh-CN" altLang="en-US" smtClean="0"/>
               <a:pPr/>
-              <a:t>2018/1/5</a:t>
+              <a:t>2018/1/28</a:t>
             </a:fld>
             <a:endParaRPr lang="zh-CN" altLang="en-US"/>
           </a:p>
@@ -639,7 +640,7 @@
             <a:fld id="{530820CF-B880-4189-942D-D702A7CBA730}" type="datetimeFigureOut">
               <a:rPr lang="zh-CN" altLang="en-US" smtClean="0"/>
               <a:pPr/>
-              <a:t>2018/1/5</a:t>
+              <a:t>2018/1/28</a:t>
             </a:fld>
             <a:endParaRPr lang="zh-CN" altLang="en-US"/>
           </a:p>
@@ -806,7 +807,7 @@
             <a:fld id="{530820CF-B880-4189-942D-D702A7CBA730}" type="datetimeFigureOut">
               <a:rPr lang="zh-CN" altLang="en-US" smtClean="0"/>
               <a:pPr/>
-              <a:t>2018/1/5</a:t>
+              <a:t>2018/1/28</a:t>
             </a:fld>
             <a:endParaRPr lang="zh-CN" altLang="en-US"/>
           </a:p>
@@ -1049,7 +1050,7 @@
             <a:fld id="{530820CF-B880-4189-942D-D702A7CBA730}" type="datetimeFigureOut">
               <a:rPr lang="zh-CN" altLang="en-US" smtClean="0"/>
               <a:pPr/>
-              <a:t>2018/1/5</a:t>
+              <a:t>2018/1/28</a:t>
             </a:fld>
             <a:endParaRPr lang="zh-CN" altLang="en-US"/>
           </a:p>
@@ -1334,7 +1335,7 @@
             <a:fld id="{530820CF-B880-4189-942D-D702A7CBA730}" type="datetimeFigureOut">
               <a:rPr lang="zh-CN" altLang="en-US" smtClean="0"/>
               <a:pPr/>
-              <a:t>2018/1/5</a:t>
+              <a:t>2018/1/28</a:t>
             </a:fld>
             <a:endParaRPr lang="zh-CN" altLang="en-US"/>
           </a:p>
@@ -1753,7 +1754,7 @@
             <a:fld id="{530820CF-B880-4189-942D-D702A7CBA730}" type="datetimeFigureOut">
               <a:rPr lang="zh-CN" altLang="en-US" smtClean="0"/>
               <a:pPr/>
-              <a:t>2018/1/5</a:t>
+              <a:t>2018/1/28</a:t>
             </a:fld>
             <a:endParaRPr lang="zh-CN" altLang="en-US"/>
           </a:p>
@@ -1868,7 +1869,7 @@
             <a:fld id="{530820CF-B880-4189-942D-D702A7CBA730}" type="datetimeFigureOut">
               <a:rPr lang="zh-CN" altLang="en-US" smtClean="0"/>
               <a:pPr/>
-              <a:t>2018/1/5</a:t>
+              <a:t>2018/1/28</a:t>
             </a:fld>
             <a:endParaRPr lang="zh-CN" altLang="en-US"/>
           </a:p>
@@ -1960,7 +1961,7 @@
             <a:fld id="{530820CF-B880-4189-942D-D702A7CBA730}" type="datetimeFigureOut">
               <a:rPr lang="zh-CN" altLang="en-US" smtClean="0"/>
               <a:pPr/>
-              <a:t>2018/1/5</a:t>
+              <a:t>2018/1/28</a:t>
             </a:fld>
             <a:endParaRPr lang="zh-CN" altLang="en-US"/>
           </a:p>
@@ -2234,7 +2235,7 @@
             <a:fld id="{530820CF-B880-4189-942D-D702A7CBA730}" type="datetimeFigureOut">
               <a:rPr lang="zh-CN" altLang="en-US" smtClean="0"/>
               <a:pPr/>
-              <a:t>2018/1/5</a:t>
+              <a:t>2018/1/28</a:t>
             </a:fld>
             <a:endParaRPr lang="zh-CN" altLang="en-US"/>
           </a:p>
@@ -2484,7 +2485,7 @@
             <a:fld id="{530820CF-B880-4189-942D-D702A7CBA730}" type="datetimeFigureOut">
               <a:rPr lang="zh-CN" altLang="en-US" smtClean="0"/>
               <a:pPr/>
-              <a:t>2018/1/5</a:t>
+              <a:t>2018/1/28</a:t>
             </a:fld>
             <a:endParaRPr lang="zh-CN" altLang="en-US"/>
           </a:p>
@@ -2694,7 +2695,7 @@
             <a:fld id="{530820CF-B880-4189-942D-D702A7CBA730}" type="datetimeFigureOut">
               <a:rPr lang="zh-CN" altLang="en-US" smtClean="0"/>
               <a:pPr/>
-              <a:t>2018/1/5</a:t>
+              <a:t>2018/1/28</a:t>
             </a:fld>
             <a:endParaRPr lang="zh-CN" altLang="en-US"/>
           </a:p>
@@ -13417,6 +13418,1610 @@
           </a:fontRef>
         </p:style>
       </p:cxnSp>
+    </p:spTree>
+  </p:cSld>
+  <p:clrMapOvr>
+    <a:masterClrMapping/>
+  </p:clrMapOvr>
+</p:sld>
+</file>
+
+<file path=ppt/slides/slide8.xml><?xml version="1.0" encoding="utf-8"?>
+<p:sld xmlns:a="http://schemas.openxmlformats.org/drawingml/2006/main" xmlns:r="http://schemas.openxmlformats.org/officeDocument/2006/relationships" xmlns:p="http://schemas.openxmlformats.org/presentationml/2006/main">
+  <p:cSld>
+    <p:spTree>
+      <p:nvGrpSpPr>
+        <p:cNvPr id="1" name=""/>
+        <p:cNvGrpSpPr/>
+        <p:nvPr/>
+      </p:nvGrpSpPr>
+      <p:grpSpPr>
+        <a:xfrm>
+          <a:off x="0" y="0"/>
+          <a:ext cx="0" cy="0"/>
+          <a:chOff x="0" y="0"/>
+          <a:chExt cx="0" cy="0"/>
+        </a:xfrm>
+      </p:grpSpPr>
+      <p:graphicFrame>
+        <p:nvGraphicFramePr>
+          <p:cNvPr id="2" name="表格 1"/>
+          <p:cNvGraphicFramePr>
+            <a:graphicFrameLocks noGrp="1"/>
+          </p:cNvGraphicFramePr>
+          <p:nvPr/>
+        </p:nvGraphicFramePr>
+        <p:xfrm>
+          <a:off x="3000364" y="1243011"/>
+          <a:ext cx="261918" cy="1828800"/>
+        </p:xfrm>
+        <a:graphic>
+          <a:graphicData uri="http://schemas.openxmlformats.org/drawingml/2006/table">
+            <a:tbl>
+              <a:tblPr firstRow="1" bandRow="1">
+                <a:tableStyleId>{5940675A-B579-460E-94D1-54222C63F5DA}</a:tableStyleId>
+              </a:tblPr>
+              <a:tblGrid>
+                <a:gridCol w="261918"/>
+              </a:tblGrid>
+              <a:tr h="357190">
+                <a:tc>
+                  <a:txBody>
+                    <a:bodyPr/>
+                    <a:lstStyle/>
+                    <a:p>
+                      <a:endParaRPr lang="zh-CN" altLang="en-US" dirty="0"/>
+                    </a:p>
+                  </a:txBody>
+                  <a:tcPr>
+                    <a:solidFill>
+                      <a:schemeClr val="tx1"/>
+                    </a:solidFill>
+                  </a:tcPr>
+                </a:tc>
+              </a:tr>
+              <a:tr h="357190">
+                <a:tc>
+                  <a:txBody>
+                    <a:bodyPr/>
+                    <a:lstStyle/>
+                    <a:p>
+                      <a:endParaRPr lang="zh-CN" altLang="en-US"/>
+                    </a:p>
+                  </a:txBody>
+                  <a:tcPr/>
+                </a:tc>
+              </a:tr>
+              <a:tr h="357190">
+                <a:tc>
+                  <a:txBody>
+                    <a:bodyPr/>
+                    <a:lstStyle/>
+                    <a:p>
+                      <a:endParaRPr lang="zh-CN" altLang="en-US" dirty="0"/>
+                    </a:p>
+                  </a:txBody>
+                  <a:tcPr>
+                    <a:solidFill>
+                      <a:schemeClr val="tx1"/>
+                    </a:solidFill>
+                  </a:tcPr>
+                </a:tc>
+              </a:tr>
+              <a:tr h="357190">
+                <a:tc>
+                  <a:txBody>
+                    <a:bodyPr/>
+                    <a:lstStyle/>
+                    <a:p>
+                      <a:endParaRPr lang="zh-CN" altLang="en-US"/>
+                    </a:p>
+                  </a:txBody>
+                  <a:tcPr/>
+                </a:tc>
+              </a:tr>
+              <a:tr h="357190">
+                <a:tc>
+                  <a:txBody>
+                    <a:bodyPr/>
+                    <a:lstStyle/>
+                    <a:p>
+                      <a:endParaRPr lang="zh-CN" altLang="en-US" dirty="0"/>
+                    </a:p>
+                  </a:txBody>
+                  <a:tcPr>
+                    <a:solidFill>
+                      <a:schemeClr val="tx1"/>
+                    </a:solidFill>
+                  </a:tcPr>
+                </a:tc>
+              </a:tr>
+            </a:tbl>
+          </a:graphicData>
+        </a:graphic>
+      </p:graphicFrame>
+      <p:graphicFrame>
+        <p:nvGraphicFramePr>
+          <p:cNvPr id="3" name="表格 2"/>
+          <p:cNvGraphicFramePr>
+            <a:graphicFrameLocks noGrp="1"/>
+          </p:cNvGraphicFramePr>
+          <p:nvPr/>
+        </p:nvGraphicFramePr>
+        <p:xfrm>
+          <a:off x="3000364" y="3071810"/>
+          <a:ext cx="261918" cy="1828800"/>
+        </p:xfrm>
+        <a:graphic>
+          <a:graphicData uri="http://schemas.openxmlformats.org/drawingml/2006/table">
+            <a:tbl>
+              <a:tblPr firstRow="1" bandRow="1">
+                <a:tableStyleId>{5940675A-B579-460E-94D1-54222C63F5DA}</a:tableStyleId>
+              </a:tblPr>
+              <a:tblGrid>
+                <a:gridCol w="261918"/>
+              </a:tblGrid>
+              <a:tr h="287019">
+                <a:tc>
+                  <a:txBody>
+                    <a:bodyPr/>
+                    <a:lstStyle/>
+                    <a:p>
+                      <a:endParaRPr lang="zh-CN" altLang="en-US" dirty="0"/>
+                    </a:p>
+                  </a:txBody>
+                  <a:tcPr/>
+                </a:tc>
+              </a:tr>
+              <a:tr h="287019">
+                <a:tc>
+                  <a:txBody>
+                    <a:bodyPr/>
+                    <a:lstStyle/>
+                    <a:p>
+                      <a:endParaRPr lang="zh-CN" altLang="en-US" dirty="0"/>
+                    </a:p>
+                  </a:txBody>
+                  <a:tcPr>
+                    <a:solidFill>
+                      <a:schemeClr val="tx1"/>
+                    </a:solidFill>
+                  </a:tcPr>
+                </a:tc>
+              </a:tr>
+              <a:tr h="287019">
+                <a:tc>
+                  <a:txBody>
+                    <a:bodyPr/>
+                    <a:lstStyle/>
+                    <a:p>
+                      <a:endParaRPr lang="zh-CN" altLang="en-US" dirty="0"/>
+                    </a:p>
+                  </a:txBody>
+                  <a:tcPr/>
+                </a:tc>
+              </a:tr>
+              <a:tr h="287019">
+                <a:tc>
+                  <a:txBody>
+                    <a:bodyPr/>
+                    <a:lstStyle/>
+                    <a:p>
+                      <a:endParaRPr lang="zh-CN" altLang="en-US" dirty="0"/>
+                    </a:p>
+                  </a:txBody>
+                  <a:tcPr>
+                    <a:solidFill>
+                      <a:schemeClr val="tx1"/>
+                    </a:solidFill>
+                  </a:tcPr>
+                </a:tc>
+              </a:tr>
+              <a:tr h="287019">
+                <a:tc>
+                  <a:txBody>
+                    <a:bodyPr/>
+                    <a:lstStyle/>
+                    <a:p>
+                      <a:endParaRPr lang="zh-CN" altLang="en-US" dirty="0"/>
+                    </a:p>
+                  </a:txBody>
+                  <a:tcPr/>
+                </a:tc>
+              </a:tr>
+            </a:tbl>
+          </a:graphicData>
+        </a:graphic>
+      </p:graphicFrame>
+      <p:cxnSp>
+        <p:nvCxnSpPr>
+          <p:cNvPr id="6" name="直接箭头连接符 5"/>
+          <p:cNvCxnSpPr/>
+          <p:nvPr/>
+        </p:nvCxnSpPr>
+        <p:spPr>
+          <a:xfrm>
+            <a:off x="3262282" y="1500173"/>
+            <a:ext cx="1309718" cy="1071571"/>
+          </a:xfrm>
+          <a:prstGeom prst="straightConnector1">
+            <a:avLst/>
+          </a:prstGeom>
+          <a:ln w="19050">
+            <a:solidFill>
+              <a:schemeClr val="tx1"/>
+            </a:solidFill>
+            <a:tailEnd type="arrow"/>
+          </a:ln>
+        </p:spPr>
+        <p:style>
+          <a:lnRef idx="1">
+            <a:schemeClr val="accent1"/>
+          </a:lnRef>
+          <a:fillRef idx="0">
+            <a:schemeClr val="accent1"/>
+          </a:fillRef>
+          <a:effectRef idx="0">
+            <a:schemeClr val="accent1"/>
+          </a:effectRef>
+          <a:fontRef idx="minor">
+            <a:schemeClr val="tx1"/>
+          </a:fontRef>
+        </p:style>
+      </p:cxnSp>
+      <p:cxnSp>
+        <p:nvCxnSpPr>
+          <p:cNvPr id="8" name="直接箭头连接符 7"/>
+          <p:cNvCxnSpPr/>
+          <p:nvPr/>
+        </p:nvCxnSpPr>
+        <p:spPr>
+          <a:xfrm>
+            <a:off x="3286116" y="1857363"/>
+            <a:ext cx="1285884" cy="714381"/>
+          </a:xfrm>
+          <a:prstGeom prst="straightConnector1">
+            <a:avLst/>
+          </a:prstGeom>
+          <a:ln w="19050">
+            <a:solidFill>
+              <a:schemeClr val="tx1"/>
+            </a:solidFill>
+            <a:tailEnd type="arrow"/>
+          </a:ln>
+        </p:spPr>
+        <p:style>
+          <a:lnRef idx="1">
+            <a:schemeClr val="accent1"/>
+          </a:lnRef>
+          <a:fillRef idx="0">
+            <a:schemeClr val="accent1"/>
+          </a:fillRef>
+          <a:effectRef idx="0">
+            <a:schemeClr val="accent1"/>
+          </a:effectRef>
+          <a:fontRef idx="minor">
+            <a:schemeClr val="tx1"/>
+          </a:fontRef>
+        </p:style>
+      </p:cxnSp>
+      <p:cxnSp>
+        <p:nvCxnSpPr>
+          <p:cNvPr id="10" name="直接箭头连接符 9"/>
+          <p:cNvCxnSpPr/>
+          <p:nvPr/>
+        </p:nvCxnSpPr>
+        <p:spPr>
+          <a:xfrm>
+            <a:off x="3286116" y="2214554"/>
+            <a:ext cx="1285884" cy="357190"/>
+          </a:xfrm>
+          <a:prstGeom prst="straightConnector1">
+            <a:avLst/>
+          </a:prstGeom>
+          <a:ln w="19050">
+            <a:solidFill>
+              <a:schemeClr val="tx1"/>
+            </a:solidFill>
+            <a:tailEnd type="arrow"/>
+          </a:ln>
+        </p:spPr>
+        <p:style>
+          <a:lnRef idx="1">
+            <a:schemeClr val="accent1"/>
+          </a:lnRef>
+          <a:fillRef idx="0">
+            <a:schemeClr val="accent1"/>
+          </a:fillRef>
+          <a:effectRef idx="0">
+            <a:schemeClr val="accent1"/>
+          </a:effectRef>
+          <a:fontRef idx="minor">
+            <a:schemeClr val="tx1"/>
+          </a:fontRef>
+        </p:style>
+      </p:cxnSp>
+      <p:cxnSp>
+        <p:nvCxnSpPr>
+          <p:cNvPr id="12" name="直接箭头连接符 11"/>
+          <p:cNvCxnSpPr/>
+          <p:nvPr/>
+        </p:nvCxnSpPr>
+        <p:spPr>
+          <a:xfrm>
+            <a:off x="3286116" y="2571744"/>
+            <a:ext cx="1285884" cy="1588"/>
+          </a:xfrm>
+          <a:prstGeom prst="straightConnector1">
+            <a:avLst/>
+          </a:prstGeom>
+          <a:ln w="19050">
+            <a:solidFill>
+              <a:schemeClr val="tx1"/>
+            </a:solidFill>
+            <a:tailEnd type="arrow"/>
+          </a:ln>
+        </p:spPr>
+        <p:style>
+          <a:lnRef idx="1">
+            <a:schemeClr val="accent1"/>
+          </a:lnRef>
+          <a:fillRef idx="0">
+            <a:schemeClr val="accent1"/>
+          </a:fillRef>
+          <a:effectRef idx="0">
+            <a:schemeClr val="accent1"/>
+          </a:effectRef>
+          <a:fontRef idx="minor">
+            <a:schemeClr val="tx1"/>
+          </a:fontRef>
+        </p:style>
+      </p:cxnSp>
+      <p:cxnSp>
+        <p:nvCxnSpPr>
+          <p:cNvPr id="16" name="直接箭头连接符 15"/>
+          <p:cNvCxnSpPr/>
+          <p:nvPr/>
+        </p:nvCxnSpPr>
+        <p:spPr>
+          <a:xfrm flipV="1">
+            <a:off x="3286116" y="2571744"/>
+            <a:ext cx="1214446" cy="357190"/>
+          </a:xfrm>
+          <a:prstGeom prst="straightConnector1">
+            <a:avLst/>
+          </a:prstGeom>
+          <a:ln w="19050">
+            <a:solidFill>
+              <a:schemeClr val="tx1"/>
+            </a:solidFill>
+            <a:tailEnd type="arrow"/>
+          </a:ln>
+        </p:spPr>
+        <p:style>
+          <a:lnRef idx="1">
+            <a:schemeClr val="accent1"/>
+          </a:lnRef>
+          <a:fillRef idx="0">
+            <a:schemeClr val="accent1"/>
+          </a:fillRef>
+          <a:effectRef idx="0">
+            <a:schemeClr val="accent1"/>
+          </a:effectRef>
+          <a:fontRef idx="minor">
+            <a:schemeClr val="tx1"/>
+          </a:fontRef>
+        </p:style>
+      </p:cxnSp>
+      <p:cxnSp>
+        <p:nvCxnSpPr>
+          <p:cNvPr id="19" name="直接箭头连接符 18"/>
+          <p:cNvCxnSpPr/>
+          <p:nvPr/>
+        </p:nvCxnSpPr>
+        <p:spPr>
+          <a:xfrm flipV="1">
+            <a:off x="3286116" y="2571744"/>
+            <a:ext cx="1214446" cy="714380"/>
+          </a:xfrm>
+          <a:prstGeom prst="straightConnector1">
+            <a:avLst/>
+          </a:prstGeom>
+          <a:ln w="19050">
+            <a:solidFill>
+              <a:schemeClr val="tx1"/>
+            </a:solidFill>
+            <a:tailEnd type="arrow"/>
+          </a:ln>
+        </p:spPr>
+        <p:style>
+          <a:lnRef idx="1">
+            <a:schemeClr val="accent1"/>
+          </a:lnRef>
+          <a:fillRef idx="0">
+            <a:schemeClr val="accent1"/>
+          </a:fillRef>
+          <a:effectRef idx="0">
+            <a:schemeClr val="accent1"/>
+          </a:effectRef>
+          <a:fontRef idx="minor">
+            <a:schemeClr val="tx1"/>
+          </a:fontRef>
+        </p:style>
+      </p:cxnSp>
+      <p:cxnSp>
+        <p:nvCxnSpPr>
+          <p:cNvPr id="21" name="直接箭头连接符 20"/>
+          <p:cNvCxnSpPr/>
+          <p:nvPr/>
+        </p:nvCxnSpPr>
+        <p:spPr>
+          <a:xfrm flipV="1">
+            <a:off x="3286116" y="2571744"/>
+            <a:ext cx="1285884" cy="1071570"/>
+          </a:xfrm>
+          <a:prstGeom prst="straightConnector1">
+            <a:avLst/>
+          </a:prstGeom>
+          <a:ln w="19050">
+            <a:solidFill>
+              <a:schemeClr val="tx1"/>
+            </a:solidFill>
+            <a:tailEnd type="arrow"/>
+          </a:ln>
+        </p:spPr>
+        <p:style>
+          <a:lnRef idx="1">
+            <a:schemeClr val="accent1"/>
+          </a:lnRef>
+          <a:fillRef idx="0">
+            <a:schemeClr val="accent1"/>
+          </a:fillRef>
+          <a:effectRef idx="0">
+            <a:schemeClr val="accent1"/>
+          </a:effectRef>
+          <a:fontRef idx="minor">
+            <a:schemeClr val="tx1"/>
+          </a:fontRef>
+        </p:style>
+      </p:cxnSp>
+      <p:cxnSp>
+        <p:nvCxnSpPr>
+          <p:cNvPr id="23" name="直接箭头连接符 22"/>
+          <p:cNvCxnSpPr/>
+          <p:nvPr/>
+        </p:nvCxnSpPr>
+        <p:spPr>
+          <a:xfrm rot="5400000" flipH="1" flipV="1">
+            <a:off x="3214678" y="2643182"/>
+            <a:ext cx="1428760" cy="1285884"/>
+          </a:xfrm>
+          <a:prstGeom prst="straightConnector1">
+            <a:avLst/>
+          </a:prstGeom>
+          <a:ln w="19050">
+            <a:solidFill>
+              <a:schemeClr val="tx1"/>
+            </a:solidFill>
+            <a:tailEnd type="arrow"/>
+          </a:ln>
+        </p:spPr>
+        <p:style>
+          <a:lnRef idx="1">
+            <a:schemeClr val="accent1"/>
+          </a:lnRef>
+          <a:fillRef idx="0">
+            <a:schemeClr val="accent1"/>
+          </a:fillRef>
+          <a:effectRef idx="0">
+            <a:schemeClr val="accent1"/>
+          </a:effectRef>
+          <a:fontRef idx="minor">
+            <a:schemeClr val="tx1"/>
+          </a:fontRef>
+        </p:style>
+      </p:cxnSp>
+      <p:cxnSp>
+        <p:nvCxnSpPr>
+          <p:cNvPr id="25" name="直接箭头连接符 24"/>
+          <p:cNvCxnSpPr/>
+          <p:nvPr/>
+        </p:nvCxnSpPr>
+        <p:spPr>
+          <a:xfrm rot="5400000" flipH="1" flipV="1">
+            <a:off x="3000364" y="2857496"/>
+            <a:ext cx="1857388" cy="1285884"/>
+          </a:xfrm>
+          <a:prstGeom prst="straightConnector1">
+            <a:avLst/>
+          </a:prstGeom>
+          <a:ln w="19050">
+            <a:solidFill>
+              <a:schemeClr val="tx1"/>
+            </a:solidFill>
+            <a:tailEnd type="arrow"/>
+          </a:ln>
+        </p:spPr>
+        <p:style>
+          <a:lnRef idx="1">
+            <a:schemeClr val="accent1"/>
+          </a:lnRef>
+          <a:fillRef idx="0">
+            <a:schemeClr val="accent1"/>
+          </a:fillRef>
+          <a:effectRef idx="0">
+            <a:schemeClr val="accent1"/>
+          </a:effectRef>
+          <a:fontRef idx="minor">
+            <a:schemeClr val="tx1"/>
+          </a:fontRef>
+        </p:style>
+      </p:cxnSp>
+      <p:cxnSp>
+        <p:nvCxnSpPr>
+          <p:cNvPr id="27" name="直接箭头连接符 26"/>
+          <p:cNvCxnSpPr/>
+          <p:nvPr/>
+        </p:nvCxnSpPr>
+        <p:spPr>
+          <a:xfrm rot="5400000" flipH="1" flipV="1">
+            <a:off x="2857488" y="3000372"/>
+            <a:ext cx="2143140" cy="1285884"/>
+          </a:xfrm>
+          <a:prstGeom prst="straightConnector1">
+            <a:avLst/>
+          </a:prstGeom>
+          <a:ln w="19050">
+            <a:solidFill>
+              <a:schemeClr val="tx1"/>
+            </a:solidFill>
+            <a:tailEnd type="arrow"/>
+          </a:ln>
+        </p:spPr>
+        <p:style>
+          <a:lnRef idx="1">
+            <a:schemeClr val="accent1"/>
+          </a:lnRef>
+          <a:fillRef idx="0">
+            <a:schemeClr val="accent1"/>
+          </a:fillRef>
+          <a:effectRef idx="0">
+            <a:schemeClr val="accent1"/>
+          </a:effectRef>
+          <a:fontRef idx="minor">
+            <a:schemeClr val="tx1"/>
+          </a:fontRef>
+        </p:style>
+      </p:cxnSp>
+      <p:sp>
+        <p:nvSpPr>
+          <p:cNvPr id="28" name="TextBox 27"/>
+          <p:cNvSpPr txBox="1"/>
+          <p:nvPr/>
+        </p:nvSpPr>
+        <p:spPr>
+          <a:xfrm>
+            <a:off x="2500298" y="756146"/>
+            <a:ext cx="1234633" cy="369332"/>
+          </a:xfrm>
+          <a:prstGeom prst="rect">
+            <a:avLst/>
+          </a:prstGeom>
+          <a:noFill/>
+        </p:spPr>
+        <p:txBody>
+          <a:bodyPr wrap="none" rtlCol="0">
+            <a:spAutoFit/>
+          </a:bodyPr>
+          <a:lstStyle/>
+          <a:p>
+            <a:r>
+              <a:rPr lang="en-US" altLang="zh-CN" dirty="0" smtClean="0"/>
+              <a:t>Hidden cell</a:t>
+            </a:r>
+            <a:endParaRPr lang="zh-CN" altLang="en-US" dirty="0"/>
+          </a:p>
+        </p:txBody>
+      </p:sp>
+      <p:cxnSp>
+        <p:nvCxnSpPr>
+          <p:cNvPr id="79" name="直接箭头连接符 78"/>
+          <p:cNvCxnSpPr/>
+          <p:nvPr/>
+        </p:nvCxnSpPr>
+        <p:spPr>
+          <a:xfrm rot="16200000" flipH="1">
+            <a:off x="3024166" y="1738290"/>
+            <a:ext cx="1785950" cy="1309718"/>
+          </a:xfrm>
+          <a:prstGeom prst="straightConnector1">
+            <a:avLst/>
+          </a:prstGeom>
+          <a:ln w="19050">
+            <a:solidFill>
+              <a:schemeClr val="bg1">
+                <a:lumMod val="65000"/>
+              </a:schemeClr>
+            </a:solidFill>
+            <a:tailEnd type="arrow"/>
+          </a:ln>
+        </p:spPr>
+        <p:style>
+          <a:lnRef idx="1">
+            <a:schemeClr val="accent1"/>
+          </a:lnRef>
+          <a:fillRef idx="0">
+            <a:schemeClr val="accent1"/>
+          </a:fillRef>
+          <a:effectRef idx="0">
+            <a:schemeClr val="accent1"/>
+          </a:effectRef>
+          <a:fontRef idx="minor">
+            <a:schemeClr val="tx1"/>
+          </a:fontRef>
+        </p:style>
+      </p:cxnSp>
+      <p:cxnSp>
+        <p:nvCxnSpPr>
+          <p:cNvPr id="81" name="直接箭头连接符 80"/>
+          <p:cNvCxnSpPr/>
+          <p:nvPr/>
+        </p:nvCxnSpPr>
+        <p:spPr>
+          <a:xfrm rot="16200000" flipH="1">
+            <a:off x="3214678" y="1928802"/>
+            <a:ext cx="1428760" cy="1285884"/>
+          </a:xfrm>
+          <a:prstGeom prst="straightConnector1">
+            <a:avLst/>
+          </a:prstGeom>
+          <a:ln w="19050">
+            <a:solidFill>
+              <a:schemeClr val="bg1">
+                <a:lumMod val="65000"/>
+              </a:schemeClr>
+            </a:solidFill>
+            <a:tailEnd type="arrow"/>
+          </a:ln>
+        </p:spPr>
+        <p:style>
+          <a:lnRef idx="1">
+            <a:schemeClr val="accent1"/>
+          </a:lnRef>
+          <a:fillRef idx="0">
+            <a:schemeClr val="accent1"/>
+          </a:fillRef>
+          <a:effectRef idx="0">
+            <a:schemeClr val="accent1"/>
+          </a:effectRef>
+          <a:fontRef idx="minor">
+            <a:schemeClr val="tx1"/>
+          </a:fontRef>
+        </p:style>
+      </p:cxnSp>
+      <p:cxnSp>
+        <p:nvCxnSpPr>
+          <p:cNvPr id="83" name="直接箭头连接符 82"/>
+          <p:cNvCxnSpPr/>
+          <p:nvPr/>
+        </p:nvCxnSpPr>
+        <p:spPr>
+          <a:xfrm>
+            <a:off x="3262282" y="2214554"/>
+            <a:ext cx="1309718" cy="1071570"/>
+          </a:xfrm>
+          <a:prstGeom prst="straightConnector1">
+            <a:avLst/>
+          </a:prstGeom>
+          <a:ln w="19050">
+            <a:solidFill>
+              <a:schemeClr val="bg1">
+                <a:lumMod val="65000"/>
+              </a:schemeClr>
+            </a:solidFill>
+            <a:tailEnd type="arrow"/>
+          </a:ln>
+        </p:spPr>
+        <p:style>
+          <a:lnRef idx="1">
+            <a:schemeClr val="accent1"/>
+          </a:lnRef>
+          <a:fillRef idx="0">
+            <a:schemeClr val="accent1"/>
+          </a:fillRef>
+          <a:effectRef idx="0">
+            <a:schemeClr val="accent1"/>
+          </a:effectRef>
+          <a:fontRef idx="minor">
+            <a:schemeClr val="tx1"/>
+          </a:fontRef>
+        </p:style>
+      </p:cxnSp>
+      <p:cxnSp>
+        <p:nvCxnSpPr>
+          <p:cNvPr id="85" name="直接箭头连接符 84"/>
+          <p:cNvCxnSpPr/>
+          <p:nvPr/>
+        </p:nvCxnSpPr>
+        <p:spPr>
+          <a:xfrm>
+            <a:off x="3262282" y="2571744"/>
+            <a:ext cx="1309718" cy="714380"/>
+          </a:xfrm>
+          <a:prstGeom prst="straightConnector1">
+            <a:avLst/>
+          </a:prstGeom>
+          <a:ln w="19050">
+            <a:solidFill>
+              <a:schemeClr val="bg1">
+                <a:lumMod val="65000"/>
+              </a:schemeClr>
+            </a:solidFill>
+            <a:tailEnd type="arrow"/>
+          </a:ln>
+        </p:spPr>
+        <p:style>
+          <a:lnRef idx="1">
+            <a:schemeClr val="accent1"/>
+          </a:lnRef>
+          <a:fillRef idx="0">
+            <a:schemeClr val="accent1"/>
+          </a:fillRef>
+          <a:effectRef idx="0">
+            <a:schemeClr val="accent1"/>
+          </a:effectRef>
+          <a:fontRef idx="minor">
+            <a:schemeClr val="tx1"/>
+          </a:fontRef>
+        </p:style>
+      </p:cxnSp>
+      <p:cxnSp>
+        <p:nvCxnSpPr>
+          <p:cNvPr id="87" name="直接箭头连接符 86"/>
+          <p:cNvCxnSpPr/>
+          <p:nvPr/>
+        </p:nvCxnSpPr>
+        <p:spPr>
+          <a:xfrm>
+            <a:off x="3286116" y="2928934"/>
+            <a:ext cx="1285884" cy="357190"/>
+          </a:xfrm>
+          <a:prstGeom prst="straightConnector1">
+            <a:avLst/>
+          </a:prstGeom>
+          <a:ln w="19050">
+            <a:solidFill>
+              <a:schemeClr val="bg1">
+                <a:lumMod val="65000"/>
+              </a:schemeClr>
+            </a:solidFill>
+            <a:tailEnd type="arrow"/>
+          </a:ln>
+        </p:spPr>
+        <p:style>
+          <a:lnRef idx="1">
+            <a:schemeClr val="accent1"/>
+          </a:lnRef>
+          <a:fillRef idx="0">
+            <a:schemeClr val="accent1"/>
+          </a:fillRef>
+          <a:effectRef idx="0">
+            <a:schemeClr val="accent1"/>
+          </a:effectRef>
+          <a:fontRef idx="minor">
+            <a:schemeClr val="tx1"/>
+          </a:fontRef>
+        </p:style>
+      </p:cxnSp>
+      <p:cxnSp>
+        <p:nvCxnSpPr>
+          <p:cNvPr id="89" name="直接箭头连接符 88"/>
+          <p:cNvCxnSpPr/>
+          <p:nvPr/>
+        </p:nvCxnSpPr>
+        <p:spPr>
+          <a:xfrm>
+            <a:off x="3286116" y="3286124"/>
+            <a:ext cx="1285884" cy="1588"/>
+          </a:xfrm>
+          <a:prstGeom prst="straightConnector1">
+            <a:avLst/>
+          </a:prstGeom>
+          <a:ln w="19050">
+            <a:solidFill>
+              <a:schemeClr val="bg1">
+                <a:lumMod val="65000"/>
+              </a:schemeClr>
+            </a:solidFill>
+            <a:tailEnd type="arrow"/>
+          </a:ln>
+        </p:spPr>
+        <p:style>
+          <a:lnRef idx="1">
+            <a:schemeClr val="accent1"/>
+          </a:lnRef>
+          <a:fillRef idx="0">
+            <a:schemeClr val="accent1"/>
+          </a:fillRef>
+          <a:effectRef idx="0">
+            <a:schemeClr val="accent1"/>
+          </a:effectRef>
+          <a:fontRef idx="minor">
+            <a:schemeClr val="tx1"/>
+          </a:fontRef>
+        </p:style>
+      </p:cxnSp>
+      <p:cxnSp>
+        <p:nvCxnSpPr>
+          <p:cNvPr id="91" name="直接箭头连接符 90"/>
+          <p:cNvCxnSpPr/>
+          <p:nvPr/>
+        </p:nvCxnSpPr>
+        <p:spPr>
+          <a:xfrm flipV="1">
+            <a:off x="3286116" y="3286124"/>
+            <a:ext cx="1285884" cy="357190"/>
+          </a:xfrm>
+          <a:prstGeom prst="straightConnector1">
+            <a:avLst/>
+          </a:prstGeom>
+          <a:ln w="19050">
+            <a:solidFill>
+              <a:schemeClr val="bg1">
+                <a:lumMod val="65000"/>
+              </a:schemeClr>
+            </a:solidFill>
+            <a:tailEnd type="arrow"/>
+          </a:ln>
+        </p:spPr>
+        <p:style>
+          <a:lnRef idx="1">
+            <a:schemeClr val="accent1"/>
+          </a:lnRef>
+          <a:fillRef idx="0">
+            <a:schemeClr val="accent1"/>
+          </a:fillRef>
+          <a:effectRef idx="0">
+            <a:schemeClr val="accent1"/>
+          </a:effectRef>
+          <a:fontRef idx="minor">
+            <a:schemeClr val="tx1"/>
+          </a:fontRef>
+        </p:style>
+      </p:cxnSp>
+      <p:cxnSp>
+        <p:nvCxnSpPr>
+          <p:cNvPr id="93" name="直接箭头连接符 92"/>
+          <p:cNvCxnSpPr/>
+          <p:nvPr/>
+        </p:nvCxnSpPr>
+        <p:spPr>
+          <a:xfrm flipV="1">
+            <a:off x="3286116" y="3286124"/>
+            <a:ext cx="1285884" cy="714380"/>
+          </a:xfrm>
+          <a:prstGeom prst="straightConnector1">
+            <a:avLst/>
+          </a:prstGeom>
+          <a:ln w="19050">
+            <a:solidFill>
+              <a:schemeClr val="bg1">
+                <a:lumMod val="65000"/>
+              </a:schemeClr>
+            </a:solidFill>
+            <a:tailEnd type="arrow"/>
+          </a:ln>
+        </p:spPr>
+        <p:style>
+          <a:lnRef idx="1">
+            <a:schemeClr val="accent1"/>
+          </a:lnRef>
+          <a:fillRef idx="0">
+            <a:schemeClr val="accent1"/>
+          </a:fillRef>
+          <a:effectRef idx="0">
+            <a:schemeClr val="accent1"/>
+          </a:effectRef>
+          <a:fontRef idx="minor">
+            <a:schemeClr val="tx1"/>
+          </a:fontRef>
+        </p:style>
+      </p:cxnSp>
+      <p:cxnSp>
+        <p:nvCxnSpPr>
+          <p:cNvPr id="95" name="直接箭头连接符 94"/>
+          <p:cNvCxnSpPr/>
+          <p:nvPr/>
+        </p:nvCxnSpPr>
+        <p:spPr>
+          <a:xfrm flipV="1">
+            <a:off x="3286116" y="3286124"/>
+            <a:ext cx="1285884" cy="1143008"/>
+          </a:xfrm>
+          <a:prstGeom prst="straightConnector1">
+            <a:avLst/>
+          </a:prstGeom>
+          <a:ln w="19050">
+            <a:solidFill>
+              <a:schemeClr val="bg1">
+                <a:lumMod val="65000"/>
+              </a:schemeClr>
+            </a:solidFill>
+            <a:tailEnd type="arrow"/>
+          </a:ln>
+        </p:spPr>
+        <p:style>
+          <a:lnRef idx="1">
+            <a:schemeClr val="accent1"/>
+          </a:lnRef>
+          <a:fillRef idx="0">
+            <a:schemeClr val="accent1"/>
+          </a:fillRef>
+          <a:effectRef idx="0">
+            <a:schemeClr val="accent1"/>
+          </a:effectRef>
+          <a:fontRef idx="minor">
+            <a:schemeClr val="tx1"/>
+          </a:fontRef>
+        </p:style>
+      </p:cxnSp>
+      <p:cxnSp>
+        <p:nvCxnSpPr>
+          <p:cNvPr id="97" name="直接箭头连接符 96"/>
+          <p:cNvCxnSpPr/>
+          <p:nvPr/>
+        </p:nvCxnSpPr>
+        <p:spPr>
+          <a:xfrm rot="5400000" flipH="1" flipV="1">
+            <a:off x="3214678" y="3357562"/>
+            <a:ext cx="1428760" cy="1285884"/>
+          </a:xfrm>
+          <a:prstGeom prst="straightConnector1">
+            <a:avLst/>
+          </a:prstGeom>
+          <a:ln w="19050">
+            <a:solidFill>
+              <a:schemeClr val="bg1">
+                <a:lumMod val="65000"/>
+              </a:schemeClr>
+            </a:solidFill>
+            <a:tailEnd type="arrow"/>
+          </a:ln>
+        </p:spPr>
+        <p:style>
+          <a:lnRef idx="1">
+            <a:schemeClr val="accent1"/>
+          </a:lnRef>
+          <a:fillRef idx="0">
+            <a:schemeClr val="accent1"/>
+          </a:fillRef>
+          <a:effectRef idx="0">
+            <a:schemeClr val="accent1"/>
+          </a:effectRef>
+          <a:fontRef idx="minor">
+            <a:schemeClr val="tx1"/>
+          </a:fontRef>
+        </p:style>
+      </p:cxnSp>
+      <p:graphicFrame>
+        <p:nvGraphicFramePr>
+          <p:cNvPr id="64" name="表格 63"/>
+          <p:cNvGraphicFramePr>
+            <a:graphicFrameLocks noGrp="1"/>
+          </p:cNvGraphicFramePr>
+          <p:nvPr/>
+        </p:nvGraphicFramePr>
+        <p:xfrm>
+          <a:off x="4572000" y="2000240"/>
+          <a:ext cx="261918" cy="1828800"/>
+        </p:xfrm>
+        <a:graphic>
+          <a:graphicData uri="http://schemas.openxmlformats.org/drawingml/2006/table">
+            <a:tbl>
+              <a:tblPr firstRow="1" bandRow="1">
+                <a:tableStyleId>{5940675A-B579-460E-94D1-54222C63F5DA}</a:tableStyleId>
+              </a:tblPr>
+              <a:tblGrid>
+                <a:gridCol w="261918"/>
+              </a:tblGrid>
+              <a:tr h="287019">
+                <a:tc>
+                  <a:txBody>
+                    <a:bodyPr/>
+                    <a:lstStyle/>
+                    <a:p>
+                      <a:endParaRPr lang="zh-CN" altLang="en-US" dirty="0"/>
+                    </a:p>
+                  </a:txBody>
+                  <a:tcPr>
+                    <a:solidFill>
+                      <a:schemeClr val="tx1"/>
+                    </a:solidFill>
+                  </a:tcPr>
+                </a:tc>
+              </a:tr>
+              <a:tr h="287019">
+                <a:tc>
+                  <a:txBody>
+                    <a:bodyPr/>
+                    <a:lstStyle/>
+                    <a:p>
+                      <a:endParaRPr lang="zh-CN" altLang="en-US"/>
+                    </a:p>
+                  </a:txBody>
+                  <a:tcPr/>
+                </a:tc>
+              </a:tr>
+              <a:tr h="287019">
+                <a:tc>
+                  <a:txBody>
+                    <a:bodyPr/>
+                    <a:lstStyle/>
+                    <a:p>
+                      <a:endParaRPr lang="zh-CN" altLang="en-US" dirty="0"/>
+                    </a:p>
+                  </a:txBody>
+                  <a:tcPr>
+                    <a:solidFill>
+                      <a:schemeClr val="tx1"/>
+                    </a:solidFill>
+                  </a:tcPr>
+                </a:tc>
+              </a:tr>
+              <a:tr h="287019">
+                <a:tc>
+                  <a:txBody>
+                    <a:bodyPr/>
+                    <a:lstStyle/>
+                    <a:p>
+                      <a:endParaRPr lang="zh-CN" altLang="en-US"/>
+                    </a:p>
+                  </a:txBody>
+                  <a:tcPr/>
+                </a:tc>
+              </a:tr>
+              <a:tr h="287019">
+                <a:tc>
+                  <a:txBody>
+                    <a:bodyPr/>
+                    <a:lstStyle/>
+                    <a:p>
+                      <a:endParaRPr lang="zh-CN" altLang="en-US" dirty="0"/>
+                    </a:p>
+                  </a:txBody>
+                  <a:tcPr>
+                    <a:solidFill>
+                      <a:schemeClr val="tx1"/>
+                    </a:solidFill>
+                  </a:tcPr>
+                </a:tc>
+              </a:tr>
+            </a:tbl>
+          </a:graphicData>
+        </a:graphic>
+      </p:graphicFrame>
+      <p:sp>
+        <p:nvSpPr>
+          <p:cNvPr id="77" name="TextBox 76"/>
+          <p:cNvSpPr txBox="1"/>
+          <p:nvPr/>
+        </p:nvSpPr>
+        <p:spPr>
+          <a:xfrm>
+            <a:off x="4143372" y="1857363"/>
+            <a:ext cx="343364" cy="369332"/>
+          </a:xfrm>
+          <a:prstGeom prst="rect">
+            <a:avLst/>
+          </a:prstGeom>
+          <a:noFill/>
+        </p:spPr>
+        <p:txBody>
+          <a:bodyPr wrap="none" rtlCol="0">
+            <a:spAutoFit/>
+          </a:bodyPr>
+          <a:lstStyle/>
+          <a:p>
+            <a:r>
+              <a:rPr lang="en-US" altLang="zh-CN" dirty="0" smtClean="0"/>
+              <a:t>…</a:t>
+            </a:r>
+            <a:endParaRPr lang="zh-CN" altLang="en-US" dirty="0"/>
+          </a:p>
+        </p:txBody>
+      </p:sp>
+      <p:sp>
+        <p:nvSpPr>
+          <p:cNvPr id="78" name="TextBox 77"/>
+          <p:cNvSpPr txBox="1"/>
+          <p:nvPr/>
+        </p:nvSpPr>
+        <p:spPr>
+          <a:xfrm>
+            <a:off x="4157198" y="3459708"/>
+            <a:ext cx="343364" cy="369332"/>
+          </a:xfrm>
+          <a:prstGeom prst="rect">
+            <a:avLst/>
+          </a:prstGeom>
+          <a:noFill/>
+        </p:spPr>
+        <p:txBody>
+          <a:bodyPr wrap="none" rtlCol="0">
+            <a:spAutoFit/>
+          </a:bodyPr>
+          <a:lstStyle/>
+          <a:p>
+            <a:r>
+              <a:rPr lang="en-US" altLang="zh-CN" dirty="0" smtClean="0"/>
+              <a:t>…</a:t>
+            </a:r>
+            <a:endParaRPr lang="zh-CN" altLang="en-US" dirty="0"/>
+          </a:p>
+        </p:txBody>
+      </p:sp>
+      <p:sp>
+        <p:nvSpPr>
+          <p:cNvPr id="80" name="TextBox 79"/>
+          <p:cNvSpPr txBox="1"/>
+          <p:nvPr/>
+        </p:nvSpPr>
+        <p:spPr>
+          <a:xfrm>
+            <a:off x="4216601" y="756146"/>
+            <a:ext cx="1228221" cy="369332"/>
+          </a:xfrm>
+          <a:prstGeom prst="rect">
+            <a:avLst/>
+          </a:prstGeom>
+          <a:noFill/>
+        </p:spPr>
+        <p:txBody>
+          <a:bodyPr wrap="none" rtlCol="0">
+            <a:spAutoFit/>
+          </a:bodyPr>
+          <a:lstStyle/>
+          <a:p>
+            <a:r>
+              <a:rPr lang="en-US" altLang="zh-CN" dirty="0" smtClean="0"/>
+              <a:t>O</a:t>
+            </a:r>
+            <a:r>
+              <a:rPr lang="en-US" altLang="zh-CN" dirty="0" smtClean="0"/>
+              <a:t>utput cell</a:t>
+            </a:r>
+            <a:endParaRPr lang="zh-CN" altLang="en-US" dirty="0"/>
+          </a:p>
+        </p:txBody>
+      </p:sp>
+      <p:graphicFrame>
+        <p:nvGraphicFramePr>
+          <p:cNvPr id="84" name="表格 83"/>
+          <p:cNvGraphicFramePr>
+            <a:graphicFrameLocks noGrp="1"/>
+          </p:cNvGraphicFramePr>
+          <p:nvPr/>
+        </p:nvGraphicFramePr>
+        <p:xfrm>
+          <a:off x="6025372" y="2014534"/>
+          <a:ext cx="943004" cy="1828800"/>
+        </p:xfrm>
+        <a:graphic>
+          <a:graphicData uri="http://schemas.openxmlformats.org/drawingml/2006/table">
+            <a:tbl>
+              <a:tblPr firstRow="1" bandRow="1">
+                <a:tableStyleId>{5940675A-B579-460E-94D1-54222C63F5DA}</a:tableStyleId>
+              </a:tblPr>
+              <a:tblGrid>
+                <a:gridCol w="635513"/>
+                <a:gridCol w="307491"/>
+              </a:tblGrid>
+              <a:tr h="287019">
+                <a:tc>
+                  <a:txBody>
+                    <a:bodyPr/>
+                    <a:lstStyle/>
+                    <a:p>
+                      <a:r>
+                        <a:rPr lang="en-US" altLang="zh-CN" dirty="0" smtClean="0"/>
+                        <a:t>0.9</a:t>
+                      </a:r>
+                      <a:endParaRPr lang="zh-CN" altLang="en-US" dirty="0"/>
+                    </a:p>
+                  </a:txBody>
+                  <a:tcPr>
+                    <a:solidFill>
+                      <a:schemeClr val="bg1"/>
+                    </a:solidFill>
+                  </a:tcPr>
+                </a:tc>
+                <a:tc>
+                  <a:txBody>
+                    <a:bodyPr/>
+                    <a:lstStyle/>
+                    <a:p>
+                      <a:r>
+                        <a:rPr lang="en-US" altLang="zh-CN" dirty="0" smtClean="0"/>
+                        <a:t>1</a:t>
+                      </a:r>
+                      <a:endParaRPr lang="zh-CN" altLang="en-US" dirty="0"/>
+                    </a:p>
+                  </a:txBody>
+                  <a:tcPr>
+                    <a:solidFill>
+                      <a:schemeClr val="bg1"/>
+                    </a:solidFill>
+                  </a:tcPr>
+                </a:tc>
+              </a:tr>
+              <a:tr h="287019">
+                <a:tc>
+                  <a:txBody>
+                    <a:bodyPr/>
+                    <a:lstStyle/>
+                    <a:p>
+                      <a:r>
+                        <a:rPr lang="en-US" altLang="zh-CN" dirty="0" smtClean="0"/>
+                        <a:t>0.1</a:t>
+                      </a:r>
+                      <a:endParaRPr lang="zh-CN" altLang="en-US" dirty="0"/>
+                    </a:p>
+                  </a:txBody>
+                  <a:tcPr/>
+                </a:tc>
+                <a:tc>
+                  <a:txBody>
+                    <a:bodyPr/>
+                    <a:lstStyle/>
+                    <a:p>
+                      <a:r>
+                        <a:rPr lang="en-US" altLang="zh-CN" dirty="0" smtClean="0"/>
+                        <a:t>0</a:t>
+                      </a:r>
+                      <a:endParaRPr lang="zh-CN" altLang="en-US" dirty="0"/>
+                    </a:p>
+                  </a:txBody>
+                  <a:tcPr/>
+                </a:tc>
+              </a:tr>
+              <a:tr h="287019">
+                <a:tc>
+                  <a:txBody>
+                    <a:bodyPr/>
+                    <a:lstStyle/>
+                    <a:p>
+                      <a:r>
+                        <a:rPr lang="en-US" altLang="zh-CN" dirty="0" smtClean="0"/>
+                        <a:t>0.6</a:t>
+                      </a:r>
+                      <a:endParaRPr lang="zh-CN" altLang="en-US" dirty="0"/>
+                    </a:p>
+                  </a:txBody>
+                  <a:tcPr>
+                    <a:solidFill>
+                      <a:schemeClr val="bg1"/>
+                    </a:solidFill>
+                  </a:tcPr>
+                </a:tc>
+                <a:tc>
+                  <a:txBody>
+                    <a:bodyPr/>
+                    <a:lstStyle/>
+                    <a:p>
+                      <a:r>
+                        <a:rPr lang="en-US" altLang="zh-CN" dirty="0" smtClean="0"/>
+                        <a:t>1</a:t>
+                      </a:r>
+                      <a:endParaRPr lang="zh-CN" altLang="en-US" dirty="0"/>
+                    </a:p>
+                  </a:txBody>
+                  <a:tcPr>
+                    <a:solidFill>
+                      <a:schemeClr val="bg1"/>
+                    </a:solidFill>
+                  </a:tcPr>
+                </a:tc>
+              </a:tr>
+              <a:tr h="287019">
+                <a:tc>
+                  <a:txBody>
+                    <a:bodyPr/>
+                    <a:lstStyle/>
+                    <a:p>
+                      <a:r>
+                        <a:rPr lang="en-US" altLang="zh-CN" dirty="0" smtClean="0"/>
+                        <a:t>0.2</a:t>
+                      </a:r>
+                      <a:endParaRPr lang="zh-CN" altLang="en-US" dirty="0"/>
+                    </a:p>
+                  </a:txBody>
+                  <a:tcPr/>
+                </a:tc>
+                <a:tc>
+                  <a:txBody>
+                    <a:bodyPr/>
+                    <a:lstStyle/>
+                    <a:p>
+                      <a:r>
+                        <a:rPr lang="en-US" altLang="zh-CN" dirty="0" smtClean="0"/>
+                        <a:t>0</a:t>
+                      </a:r>
+                      <a:endParaRPr lang="zh-CN" altLang="en-US" dirty="0"/>
+                    </a:p>
+                  </a:txBody>
+                  <a:tcPr/>
+                </a:tc>
+              </a:tr>
+              <a:tr h="287019">
+                <a:tc>
+                  <a:txBody>
+                    <a:bodyPr/>
+                    <a:lstStyle/>
+                    <a:p>
+                      <a:r>
+                        <a:rPr lang="en-US" altLang="zh-CN" dirty="0" smtClean="0"/>
+                        <a:t>0.8</a:t>
+                      </a:r>
+                      <a:endParaRPr lang="zh-CN" altLang="en-US" dirty="0"/>
+                    </a:p>
+                  </a:txBody>
+                  <a:tcPr>
+                    <a:solidFill>
+                      <a:schemeClr val="bg1"/>
+                    </a:solidFill>
+                  </a:tcPr>
+                </a:tc>
+                <a:tc>
+                  <a:txBody>
+                    <a:bodyPr/>
+                    <a:lstStyle/>
+                    <a:p>
+                      <a:r>
+                        <a:rPr lang="en-US" altLang="zh-CN" dirty="0" smtClean="0"/>
+                        <a:t>1</a:t>
+                      </a:r>
+                      <a:endParaRPr lang="zh-CN" altLang="en-US" dirty="0"/>
+                    </a:p>
+                  </a:txBody>
+                  <a:tcPr>
+                    <a:solidFill>
+                      <a:schemeClr val="bg1"/>
+                    </a:solidFill>
+                  </a:tcPr>
+                </a:tc>
+              </a:tr>
+            </a:tbl>
+          </a:graphicData>
+        </a:graphic>
+      </p:graphicFrame>
+      <p:sp>
+        <p:nvSpPr>
+          <p:cNvPr id="86" name="TextBox 85"/>
+          <p:cNvSpPr txBox="1"/>
+          <p:nvPr/>
+        </p:nvSpPr>
+        <p:spPr>
+          <a:xfrm>
+            <a:off x="5872972" y="4000504"/>
+            <a:ext cx="864339" cy="369332"/>
+          </a:xfrm>
+          <a:prstGeom prst="rect">
+            <a:avLst/>
+          </a:prstGeom>
+          <a:noFill/>
+        </p:spPr>
+        <p:txBody>
+          <a:bodyPr wrap="none" rtlCol="0">
+            <a:spAutoFit/>
+          </a:bodyPr>
+          <a:lstStyle/>
+          <a:p>
+            <a:r>
+              <a:rPr lang="en-US" dirty="0" smtClean="0"/>
+              <a:t>y_pred</a:t>
+            </a:r>
+            <a:endParaRPr lang="zh-CN" altLang="en-US" dirty="0"/>
+          </a:p>
+        </p:txBody>
+      </p:sp>
+      <p:sp>
+        <p:nvSpPr>
+          <p:cNvPr id="88" name="矩形 87"/>
+          <p:cNvSpPr/>
+          <p:nvPr/>
+        </p:nvSpPr>
+        <p:spPr>
+          <a:xfrm>
+            <a:off x="6737311" y="4000504"/>
+            <a:ext cx="798617" cy="369332"/>
+          </a:xfrm>
+          <a:prstGeom prst="rect">
+            <a:avLst/>
+          </a:prstGeom>
+        </p:spPr>
+        <p:txBody>
+          <a:bodyPr wrap="none">
+            <a:spAutoFit/>
+          </a:bodyPr>
+          <a:lstStyle/>
+          <a:p>
+            <a:r>
+              <a:rPr lang="en-US" dirty="0" smtClean="0"/>
+              <a:t>y_true</a:t>
+            </a:r>
+            <a:endParaRPr lang="zh-CN" altLang="en-US" dirty="0"/>
+          </a:p>
+        </p:txBody>
+      </p:sp>
+      <p:sp>
+        <p:nvSpPr>
+          <p:cNvPr id="90" name="矩形 89"/>
+          <p:cNvSpPr/>
+          <p:nvPr/>
+        </p:nvSpPr>
+        <p:spPr>
+          <a:xfrm>
+            <a:off x="3857620" y="5315048"/>
+            <a:ext cx="4357702" cy="1200329"/>
+          </a:xfrm>
+          <a:prstGeom prst="rect">
+            <a:avLst/>
+          </a:prstGeom>
+        </p:spPr>
+        <p:txBody>
+          <a:bodyPr wrap="square">
+            <a:spAutoFit/>
+          </a:bodyPr>
+          <a:lstStyle/>
+          <a:p>
+            <a:r>
+              <a:rPr lang="en-US" dirty="0" err="1" smtClean="0"/>
+              <a:t>y_true</a:t>
+            </a:r>
+            <a:r>
+              <a:rPr lang="en-US" dirty="0" smtClean="0"/>
+              <a:t>：</a:t>
+            </a:r>
+            <a:r>
+              <a:rPr lang="zh-CN" altLang="en-US" dirty="0" smtClean="0"/>
+              <a:t>真实的数据标签，</a:t>
+            </a:r>
+            <a:r>
+              <a:rPr lang="en-US" dirty="0" smtClean="0"/>
+              <a:t>Theano/</a:t>
+            </a:r>
+            <a:r>
+              <a:rPr lang="en-US" dirty="0" err="1" smtClean="0"/>
+              <a:t>TensorFlow</a:t>
+            </a:r>
+            <a:r>
+              <a:rPr lang="zh-CN" altLang="en-US" dirty="0" smtClean="0"/>
+              <a:t>张量</a:t>
+            </a:r>
+          </a:p>
+          <a:p>
+            <a:r>
+              <a:rPr lang="en-US" dirty="0" smtClean="0"/>
+              <a:t>y_pred：</a:t>
+            </a:r>
+            <a:r>
+              <a:rPr lang="zh-CN" altLang="en-US" dirty="0" smtClean="0"/>
+              <a:t>预测值，与</a:t>
+            </a:r>
+            <a:r>
+              <a:rPr lang="en-US" dirty="0" err="1" smtClean="0"/>
+              <a:t>y_true</a:t>
+            </a:r>
+            <a:r>
+              <a:rPr lang="zh-CN" altLang="en-US" dirty="0" smtClean="0"/>
+              <a:t>相同</a:t>
+            </a:r>
+            <a:r>
+              <a:rPr lang="en-US" dirty="0" smtClean="0"/>
+              <a:t>shape</a:t>
+            </a:r>
+            <a:r>
+              <a:rPr lang="zh-CN" altLang="en-US" dirty="0" smtClean="0"/>
+              <a:t>的</a:t>
+            </a:r>
+            <a:r>
+              <a:rPr lang="en-US" dirty="0" err="1" smtClean="0"/>
+              <a:t>Theano</a:t>
+            </a:r>
+            <a:r>
+              <a:rPr lang="en-US" dirty="0" smtClean="0"/>
+              <a:t>/</a:t>
+            </a:r>
+            <a:r>
+              <a:rPr lang="en-US" dirty="0" err="1" smtClean="0"/>
+              <a:t>TensorFlow</a:t>
+            </a:r>
+            <a:r>
+              <a:rPr lang="zh-CN" altLang="en-US" dirty="0" smtClean="0"/>
+              <a:t>张量</a:t>
+            </a:r>
+            <a:endParaRPr lang="zh-CN" altLang="en-US" dirty="0"/>
+          </a:p>
+        </p:txBody>
+      </p:sp>
+      <p:sp>
+        <p:nvSpPr>
+          <p:cNvPr id="98" name="右箭头 97"/>
+          <p:cNvSpPr/>
+          <p:nvPr/>
+        </p:nvSpPr>
+        <p:spPr>
+          <a:xfrm>
+            <a:off x="5000628" y="2786058"/>
+            <a:ext cx="872344" cy="285752"/>
+          </a:xfrm>
+          <a:prstGeom prst="rightArrow">
+            <a:avLst/>
+          </a:prstGeom>
+          <a:solidFill>
+            <a:schemeClr val="bg1"/>
+          </a:solidFill>
+          <a:ln w="12700">
+            <a:solidFill>
+              <a:schemeClr val="tx1"/>
+            </a:solidFill>
+          </a:ln>
+        </p:spPr>
+        <p:style>
+          <a:lnRef idx="2">
+            <a:schemeClr val="accent1">
+              <a:shade val="50000"/>
+            </a:schemeClr>
+          </a:lnRef>
+          <a:fillRef idx="1">
+            <a:schemeClr val="accent1"/>
+          </a:fillRef>
+          <a:effectRef idx="0">
+            <a:schemeClr val="accent1"/>
+          </a:effectRef>
+          <a:fontRef idx="minor">
+            <a:schemeClr val="lt1"/>
+          </a:fontRef>
+        </p:style>
+        <p:txBody>
+          <a:bodyPr rtlCol="0" anchor="ctr"/>
+          <a:lstStyle/>
+          <a:p>
+            <a:pPr algn="ctr"/>
+            <a:endParaRPr lang="zh-CN" altLang="en-US"/>
+          </a:p>
+        </p:txBody>
+      </p:sp>
+      <p:sp>
+        <p:nvSpPr>
+          <p:cNvPr id="99" name="TextBox 98"/>
+          <p:cNvSpPr txBox="1"/>
+          <p:nvPr/>
+        </p:nvSpPr>
+        <p:spPr>
+          <a:xfrm>
+            <a:off x="4941307" y="2416726"/>
+            <a:ext cx="931665" cy="369332"/>
+          </a:xfrm>
+          <a:prstGeom prst="rect">
+            <a:avLst/>
+          </a:prstGeom>
+          <a:noFill/>
+        </p:spPr>
+        <p:txBody>
+          <a:bodyPr wrap="none" rtlCol="0">
+            <a:spAutoFit/>
+          </a:bodyPr>
+          <a:lstStyle/>
+          <a:p>
+            <a:r>
+              <a:rPr lang="en-US" dirty="0" smtClean="0"/>
+              <a:t>sigmoid</a:t>
+            </a:r>
+            <a:endParaRPr lang="zh-CN" altLang="en-US" dirty="0"/>
+          </a:p>
+        </p:txBody>
+      </p:sp>
     </p:spTree>
   </p:cSld>
   <p:clrMapOvr>
